--- a/Documentation/ИП_pptx.pptx
+++ b/Documentation/ИП_pptx.pptx
@@ -259,7 +259,7 @@
           <a:p>
             <a:fld id="{3AB3671F-AA64-4FFB-BBDA-457A3DCCAFB9}" type="datetimeFigureOut">
               <a:rPr lang="ru-RU" smtClean="0"/>
-              <a:t>25.02.2022</a:t>
+              <a:t>28.02.2022</a:t>
             </a:fld>
             <a:endParaRPr lang="ru-RU"/>
           </a:p>
@@ -1630,7 +1630,7 @@
             </a:pPr>
             <a:fld id="{E9A40412-952D-4355-AEE1-5084A13E6343}" type="datetime1">
               <a:rPr lang="ru-RU" smtClean="0"/>
-              <a:t>25.02.2022</a:t>
+              <a:t>28.02.2022</a:t>
             </a:fld>
             <a:endParaRPr lang="ru-RU"/>
           </a:p>
@@ -1822,7 +1822,7 @@
             </a:pPr>
             <a:fld id="{D1A57588-AA29-48C1-A0D3-23CDC8CEF95B}" type="datetime1">
               <a:rPr lang="ru-RU" smtClean="0"/>
-              <a:t>25.02.2022</a:t>
+              <a:t>28.02.2022</a:t>
             </a:fld>
             <a:endParaRPr lang="ru-RU"/>
           </a:p>
@@ -2024,7 +2024,7 @@
             </a:pPr>
             <a:fld id="{B5D72509-6833-4348-BB60-FAACCC152FFC}" type="datetime1">
               <a:rPr lang="ru-RU" smtClean="0"/>
-              <a:t>25.02.2022</a:t>
+              <a:t>28.02.2022</a:t>
             </a:fld>
             <a:endParaRPr lang="ru-RU"/>
           </a:p>
@@ -2216,7 +2216,7 @@
             </a:pPr>
             <a:fld id="{92480D4C-61BD-483D-86D6-B62CDAB9BEDA}" type="datetime1">
               <a:rPr lang="ru-RU" smtClean="0"/>
-              <a:t>25.02.2022</a:t>
+              <a:t>28.02.2022</a:t>
             </a:fld>
             <a:endParaRPr lang="ru-RU"/>
           </a:p>
@@ -2485,7 +2485,7 @@
             </a:pPr>
             <a:fld id="{A751F13C-6A68-445F-9F3B-D8B69AC9FD7E}" type="datetime1">
               <a:rPr lang="ru-RU" smtClean="0"/>
-              <a:t>25.02.2022</a:t>
+              <a:t>28.02.2022</a:t>
             </a:fld>
             <a:endParaRPr lang="ru-RU"/>
           </a:p>
@@ -2794,7 +2794,7 @@
             </a:pPr>
             <a:fld id="{A5532E65-0D75-47CF-9E50-79D7F59885FD}" type="datetime1">
               <a:rPr lang="ru-RU" smtClean="0"/>
-              <a:t>25.02.2022</a:t>
+              <a:t>28.02.2022</a:t>
             </a:fld>
             <a:endParaRPr lang="ru-RU"/>
           </a:p>
@@ -3237,7 +3237,7 @@
             </a:pPr>
             <a:fld id="{911777F0-F331-4210-A598-9C010F52D098}" type="datetime1">
               <a:rPr lang="ru-RU" smtClean="0"/>
-              <a:t>25.02.2022</a:t>
+              <a:t>28.02.2022</a:t>
             </a:fld>
             <a:endParaRPr lang="ru-RU"/>
           </a:p>
@@ -3378,7 +3378,7 @@
             </a:pPr>
             <a:fld id="{1AC8AF8F-D2D8-4C77-9AB7-FFD30F24FEFA}" type="datetime1">
               <a:rPr lang="ru-RU" smtClean="0"/>
-              <a:t>25.02.2022</a:t>
+              <a:t>28.02.2022</a:t>
             </a:fld>
             <a:endParaRPr lang="ru-RU"/>
           </a:p>
@@ -3497,7 +3497,7 @@
             </a:pPr>
             <a:fld id="{9B4BEA78-D3AB-43BC-BBE9-CA6B0150F642}" type="datetime1">
               <a:rPr lang="ru-RU" smtClean="0"/>
-              <a:t>25.02.2022</a:t>
+              <a:t>28.02.2022</a:t>
             </a:fld>
             <a:endParaRPr lang="ru-RU"/>
           </a:p>
@@ -3796,7 +3796,7 @@
             </a:pPr>
             <a:fld id="{8B6CA31B-DE7C-454D-A29A-F2F44B92C02C}" type="datetime1">
               <a:rPr lang="ru-RU" smtClean="0"/>
-              <a:t>25.02.2022</a:t>
+              <a:t>28.02.2022</a:t>
             </a:fld>
             <a:endParaRPr lang="ru-RU"/>
           </a:p>
@@ -4078,7 +4078,7 @@
             </a:pPr>
             <a:fld id="{AE3D309E-A734-454B-96EA-1FFF9C6D640B}" type="datetime1">
               <a:rPr lang="ru-RU" smtClean="0"/>
-              <a:t>25.02.2022</a:t>
+              <a:t>28.02.2022</a:t>
             </a:fld>
             <a:endParaRPr lang="ru-RU"/>
           </a:p>
@@ -4371,7 +4371,7 @@
             </a:pPr>
             <a:fld id="{F00A4505-FFFF-4242-BC45-A2F4E67EA977}" type="datetime1">
               <a:rPr lang="ru-RU" smtClean="0"/>
-              <a:t>25.02.2022</a:t>
+              <a:t>28.02.2022</a:t>
             </a:fld>
             <a:endParaRPr lang="ru-RU"/>
           </a:p>
@@ -5632,10 +5632,6 @@
               </a:rPr>
               <a:t>Создание </a:t>
             </a:r>
-            <a:endParaRPr lang="ru-RU" sz="2400" dirty="0" smtClean="0">
-              <a:latin typeface="+mn-lt"/>
-              <a:cs typeface="Times New Roman" panose="02020603050405020304" pitchFamily="18" charset="0"/>
-            </a:endParaRPr>
           </a:p>
           <a:p>
             <a:pPr algn="ctr">
@@ -5664,10 +5660,6 @@
               </a:rPr>
               <a:t> </a:t>
             </a:r>
-            <a:endParaRPr lang="ru-RU" sz="2400" dirty="0" smtClean="0">
-              <a:latin typeface="+mn-lt"/>
-              <a:cs typeface="Times New Roman" panose="02020603050405020304" pitchFamily="18" charset="0"/>
-            </a:endParaRPr>
           </a:p>
           <a:p>
             <a:pPr algn="ctr">
@@ -5680,19 +5672,8 @@
                 <a:latin typeface="+mn-lt"/>
                 <a:cs typeface="Times New Roman" panose="02020603050405020304" pitchFamily="18" charset="0"/>
               </a:rPr>
-              <a:t>с </a:t>
-            </a:r>
-            <a:r>
-              <a:rPr lang="ru-RU" sz="2400" dirty="0" smtClean="0">
-                <a:latin typeface="+mn-lt"/>
-                <a:cs typeface="Times New Roman" panose="02020603050405020304" pitchFamily="18" charset="0"/>
-              </a:rPr>
-              <a:t>использованием современных </a:t>
-            </a:r>
-            <a:endParaRPr lang="ru-RU" sz="2400" dirty="0" smtClean="0">
-              <a:latin typeface="+mn-lt"/>
-              <a:cs typeface="Times New Roman" panose="02020603050405020304" pitchFamily="18" charset="0"/>
-            </a:endParaRPr>
+              <a:t>с использованием современных </a:t>
+            </a:r>
           </a:p>
           <a:p>
             <a:pPr algn="ctr">
@@ -7184,8 +7165,8 @@
         </p:nvSpPr>
         <p:spPr>
           <a:xfrm>
-            <a:off x="767408" y="2204864"/>
-            <a:ext cx="7848872" cy="958660"/>
+            <a:off x="694141" y="1556792"/>
+            <a:ext cx="2160240" cy="4708981"/>
           </a:xfrm>
           <a:prstGeom prst="rect">
             <a:avLst/>
@@ -7198,7 +7179,7 @@
           </a:bodyPr>
           <a:lstStyle/>
           <a:p>
-            <a:pPr>
+            <a:pPr algn="ctr">
               <a:lnSpc>
                 <a:spcPct val="150000"/>
               </a:lnSpc>
@@ -7208,14 +7189,28 @@
                 <a:latin typeface="Times New Roman" panose="02020603050405020304" pitchFamily="18" charset="0"/>
                 <a:cs typeface="Times New Roman" panose="02020603050405020304" pitchFamily="18" charset="0"/>
               </a:rPr>
-              <a:t>Демонстрацию работы данной программы можно посмотреть по данной ссылке. </a:t>
+              <a:t>Демонстрацию работы данной </a:t>
+            </a:r>
+            <a:r>
+              <a:rPr lang="ru-RU" sz="2000" dirty="0" smtClean="0">
+                <a:latin typeface="Times New Roman" panose="02020603050405020304" pitchFamily="18" charset="0"/>
+                <a:cs typeface="Times New Roman" panose="02020603050405020304" pitchFamily="18" charset="0"/>
+              </a:rPr>
+              <a:t>программы, а так же все материалы по ней </a:t>
+            </a:r>
+            <a:r>
+              <a:rPr lang="ru-RU" sz="2000" dirty="0">
+                <a:latin typeface="Times New Roman" panose="02020603050405020304" pitchFamily="18" charset="0"/>
+                <a:cs typeface="Times New Roman" panose="02020603050405020304" pitchFamily="18" charset="0"/>
+              </a:rPr>
+              <a:t>можно посмотреть по данной ссылке. </a:t>
             </a:r>
             <a:r>
               <a:rPr lang="en-US" sz="2000" dirty="0">
                 <a:latin typeface="Times New Roman" panose="02020603050405020304" pitchFamily="18" charset="0"/>
                 <a:cs typeface="Times New Roman" panose="02020603050405020304" pitchFamily="18" charset="0"/>
               </a:rPr>
-              <a:t>https://youtu.be/bZWagEZjbP0</a:t>
+              <a:t>https://github.com/MISTER5S/PygameProject</a:t>
             </a:r>
             <a:endParaRPr lang="ru-RU" sz="2000" dirty="0">
               <a:latin typeface="Times New Roman" panose="02020603050405020304" pitchFamily="18" charset="0"/>
@@ -7298,7 +7293,7 @@
         </p:blipFill>
         <p:spPr>
           <a:xfrm>
-            <a:off x="584870" y="1884894"/>
+            <a:off x="3719736" y="1647682"/>
             <a:ext cx="8213948" cy="4618091"/>
           </a:xfrm>
           <a:prstGeom prst="rect">
@@ -7466,6 +7461,30 @@
           </a:p>
         </p:txBody>
       </p:sp>
+      <p:pic>
+        <p:nvPicPr>
+          <p:cNvPr id="2" name="Рисунок 1"/>
+          <p:cNvPicPr>
+            <a:picLocks noChangeAspect="1"/>
+          </p:cNvPicPr>
+          <p:nvPr/>
+        </p:nvPicPr>
+        <p:blipFill>
+          <a:blip r:embed="rId4"/>
+          <a:stretch>
+            <a:fillRect/>
+          </a:stretch>
+        </p:blipFill>
+        <p:spPr>
+          <a:xfrm>
+            <a:off x="5159896" y="989439"/>
+            <a:ext cx="5940660" cy="4998349"/>
+          </a:xfrm>
+          <a:prstGeom prst="rect">
+            <a:avLst/>
+          </a:prstGeom>
+        </p:spPr>
+      </p:pic>
     </p:spTree>
     <p:extLst>
       <p:ext uri="{BB962C8B-B14F-4D97-AF65-F5344CB8AC3E}">

--- a/Documentation/ИП_pptx.pptx
+++ b/Documentation/ИП_pptx.pptx
@@ -7166,7 +7166,7 @@
         <p:spPr>
           <a:xfrm>
             <a:off x="694141" y="1556792"/>
-            <a:ext cx="2160240" cy="4708981"/>
+            <a:ext cx="2160240" cy="5170646"/>
           </a:xfrm>
           <a:prstGeom prst="rect">
             <a:avLst/>
@@ -7206,13 +7206,25 @@
               <a:t>можно посмотреть по данной ссылке. </a:t>
             </a:r>
             <a:r>
-              <a:rPr lang="en-US" sz="2000" dirty="0">
+              <a:rPr lang="en-US" sz="2000" dirty="0" smtClean="0">
                 <a:latin typeface="Times New Roman" panose="02020603050405020304" pitchFamily="18" charset="0"/>
                 <a:cs typeface="Times New Roman" panose="02020603050405020304" pitchFamily="18" charset="0"/>
+                <a:hlinkClick r:id="rId4"/>
               </a:rPr>
               <a:t>https://github.com/MISTER5S/PygameProject</a:t>
             </a:r>
             <a:endParaRPr lang="ru-RU" sz="2000" dirty="0">
+              <a:latin typeface="Times New Roman" panose="02020603050405020304" pitchFamily="18" charset="0"/>
+              <a:cs typeface="Times New Roman" panose="02020603050405020304" pitchFamily="18" charset="0"/>
+            </a:endParaRPr>
+          </a:p>
+          <a:p>
+            <a:pPr algn="ctr">
+              <a:lnSpc>
+                <a:spcPct val="150000"/>
+              </a:lnSpc>
+            </a:pPr>
+            <a:endParaRPr lang="ru-RU" sz="2000" dirty="0" smtClean="0">
               <a:latin typeface="Times New Roman" panose="02020603050405020304" pitchFamily="18" charset="0"/>
               <a:cs typeface="Times New Roman" panose="02020603050405020304" pitchFamily="18" charset="0"/>
             </a:endParaRPr>
@@ -7286,7 +7298,7 @@
           <p:nvPr/>
         </p:nvPicPr>
         <p:blipFill>
-          <a:blip r:embed="rId4"/>
+          <a:blip r:embed="rId5"/>
           <a:stretch>
             <a:fillRect/>
           </a:stretch>
